--- a/SIgnature Work.pptx
+++ b/SIgnature Work.pptx
@@ -5,7 +5,7 @@
     <p:sldMasterId id="2147483648" r:id="rId1"/>
   </p:sldMasterIdLst>
   <p:notesMasterIdLst>
-    <p:notesMasterId r:id="rId8"/>
+    <p:notesMasterId r:id="rId9"/>
   </p:notesMasterIdLst>
   <p:sldIdLst>
     <p:sldId id="256" r:id="rId2"/>
@@ -14,6 +14,7 @@
     <p:sldId id="260" r:id="rId5"/>
     <p:sldId id="261" r:id="rId6"/>
     <p:sldId id="262" r:id="rId7"/>
+    <p:sldId id="263" r:id="rId8"/>
   </p:sldIdLst>
   <p:sldSz cx="12192000" cy="6858000"/>
   <p:notesSz cx="6858000" cy="9144000"/>
@@ -20573,7 +20574,7 @@
           <a:p>
             <a:fld id="{0AC6A664-A9B9-4A29-8CC5-B6ED7532CFC5}" type="datetimeFigureOut">
               <a:rPr lang="zh-CN" altLang="en-US" smtClean="0"/>
-              <a:t>2022/11/17</a:t>
+              <a:t>2022/11/23</a:t>
             </a:fld>
             <a:endParaRPr lang="zh-CN" altLang="en-US"/>
           </a:p>
@@ -21407,7 +21408,7 @@
           <a:p>
             <a:fld id="{E04A3270-C2B4-49EF-999C-6AE0D2734B13}" type="datetimeFigureOut">
               <a:rPr lang="zh-CN" altLang="en-US" smtClean="0"/>
-              <a:t>2022/11/16</a:t>
+              <a:t>2022/11/23</a:t>
             </a:fld>
             <a:endParaRPr lang="zh-CN" altLang="en-US"/>
           </a:p>
@@ -21605,7 +21606,7 @@
           <a:p>
             <a:fld id="{E04A3270-C2B4-49EF-999C-6AE0D2734B13}" type="datetimeFigureOut">
               <a:rPr lang="zh-CN" altLang="en-US" smtClean="0"/>
-              <a:t>2022/11/16</a:t>
+              <a:t>2022/11/23</a:t>
             </a:fld>
             <a:endParaRPr lang="zh-CN" altLang="en-US"/>
           </a:p>
@@ -21813,7 +21814,7 @@
           <a:p>
             <a:fld id="{E04A3270-C2B4-49EF-999C-6AE0D2734B13}" type="datetimeFigureOut">
               <a:rPr lang="zh-CN" altLang="en-US" smtClean="0"/>
-              <a:t>2022/11/16</a:t>
+              <a:t>2022/11/23</a:t>
             </a:fld>
             <a:endParaRPr lang="zh-CN" altLang="en-US"/>
           </a:p>
@@ -22011,7 +22012,7 @@
           <a:p>
             <a:fld id="{E04A3270-C2B4-49EF-999C-6AE0D2734B13}" type="datetimeFigureOut">
               <a:rPr lang="zh-CN" altLang="en-US" smtClean="0"/>
-              <a:t>2022/11/16</a:t>
+              <a:t>2022/11/23</a:t>
             </a:fld>
             <a:endParaRPr lang="zh-CN" altLang="en-US"/>
           </a:p>
@@ -22286,7 +22287,7 @@
           <a:p>
             <a:fld id="{E04A3270-C2B4-49EF-999C-6AE0D2734B13}" type="datetimeFigureOut">
               <a:rPr lang="zh-CN" altLang="en-US" smtClean="0"/>
-              <a:t>2022/11/16</a:t>
+              <a:t>2022/11/23</a:t>
             </a:fld>
             <a:endParaRPr lang="zh-CN" altLang="en-US"/>
           </a:p>
@@ -22551,7 +22552,7 @@
           <a:p>
             <a:fld id="{E04A3270-C2B4-49EF-999C-6AE0D2734B13}" type="datetimeFigureOut">
               <a:rPr lang="zh-CN" altLang="en-US" smtClean="0"/>
-              <a:t>2022/11/16</a:t>
+              <a:t>2022/11/23</a:t>
             </a:fld>
             <a:endParaRPr lang="zh-CN" altLang="en-US"/>
           </a:p>
@@ -22963,7 +22964,7 @@
           <a:p>
             <a:fld id="{E04A3270-C2B4-49EF-999C-6AE0D2734B13}" type="datetimeFigureOut">
               <a:rPr lang="zh-CN" altLang="en-US" smtClean="0"/>
-              <a:t>2022/11/16</a:t>
+              <a:t>2022/11/23</a:t>
             </a:fld>
             <a:endParaRPr lang="zh-CN" altLang="en-US"/>
           </a:p>
@@ -23104,7 +23105,7 @@
           <a:p>
             <a:fld id="{E04A3270-C2B4-49EF-999C-6AE0D2734B13}" type="datetimeFigureOut">
               <a:rPr lang="zh-CN" altLang="en-US" smtClean="0"/>
-              <a:t>2022/11/16</a:t>
+              <a:t>2022/11/23</a:t>
             </a:fld>
             <a:endParaRPr lang="zh-CN" altLang="en-US"/>
           </a:p>
@@ -23217,7 +23218,7 @@
           <a:p>
             <a:fld id="{E04A3270-C2B4-49EF-999C-6AE0D2734B13}" type="datetimeFigureOut">
               <a:rPr lang="zh-CN" altLang="en-US" smtClean="0"/>
-              <a:t>2022/11/16</a:t>
+              <a:t>2022/11/23</a:t>
             </a:fld>
             <a:endParaRPr lang="zh-CN" altLang="en-US"/>
           </a:p>
@@ -23528,7 +23529,7 @@
           <a:p>
             <a:fld id="{E04A3270-C2B4-49EF-999C-6AE0D2734B13}" type="datetimeFigureOut">
               <a:rPr lang="zh-CN" altLang="en-US" smtClean="0"/>
-              <a:t>2022/11/16</a:t>
+              <a:t>2022/11/23</a:t>
             </a:fld>
             <a:endParaRPr lang="zh-CN" altLang="en-US"/>
           </a:p>
@@ -23816,7 +23817,7 @@
           <a:p>
             <a:fld id="{E04A3270-C2B4-49EF-999C-6AE0D2734B13}" type="datetimeFigureOut">
               <a:rPr lang="zh-CN" altLang="en-US" smtClean="0"/>
-              <a:t>2022/11/16</a:t>
+              <a:t>2022/11/23</a:t>
             </a:fld>
             <a:endParaRPr lang="zh-CN" altLang="en-US"/>
           </a:p>
@@ -24057,7 +24058,7 @@
           <a:p>
             <a:fld id="{E04A3270-C2B4-49EF-999C-6AE0D2734B13}" type="datetimeFigureOut">
               <a:rPr lang="zh-CN" altLang="en-US" smtClean="0"/>
-              <a:t>2022/11/16</a:t>
+              <a:t>2022/11/23</a:t>
             </a:fld>
             <a:endParaRPr lang="zh-CN" altLang="en-US"/>
           </a:p>
@@ -28123,6 +28124,99 @@
 </p:sld>
 </file>
 
+<file path=ppt/slides/slide7.xml><?xml version="1.0" encoding="utf-8"?>
+<p:sld xmlns:a="http://schemas.openxmlformats.org/drawingml/2006/main" xmlns:r="http://schemas.openxmlformats.org/officeDocument/2006/relationships" xmlns:p="http://schemas.openxmlformats.org/presentationml/2006/main">
+  <p:cSld>
+    <p:spTree>
+      <p:nvGrpSpPr>
+        <p:cNvPr id="1" name=""/>
+        <p:cNvGrpSpPr/>
+        <p:nvPr/>
+      </p:nvGrpSpPr>
+      <p:grpSpPr>
+        <a:xfrm>
+          <a:off x="0" y="0"/>
+          <a:ext cx="0" cy="0"/>
+          <a:chOff x="0" y="0"/>
+          <a:chExt cx="0" cy="0"/>
+        </a:xfrm>
+      </p:grpSpPr>
+      <p:sp>
+        <p:nvSpPr>
+          <p:cNvPr id="2" name="标题 1">
+            <a:extLst>
+              <a:ext uri="{FF2B5EF4-FFF2-40B4-BE49-F238E27FC236}">
+                <a16:creationId xmlns:a16="http://schemas.microsoft.com/office/drawing/2014/main" id="{A38683D2-9A39-5C7B-BECB-C7061FBB84BA}"/>
+              </a:ext>
+            </a:extLst>
+          </p:cNvPr>
+          <p:cNvSpPr>
+            <a:spLocks noGrp="1"/>
+          </p:cNvSpPr>
+          <p:nvPr>
+            <p:ph type="title"/>
+          </p:nvPr>
+        </p:nvSpPr>
+        <p:spPr/>
+        <p:txBody>
+          <a:bodyPr/>
+          <a:lstStyle/>
+          <a:p>
+            <a:r>
+              <a:rPr lang="en-US" altLang="zh-CN" dirty="0"/>
+              <a:t>Next step</a:t>
+            </a:r>
+            <a:endParaRPr lang="zh-CN" altLang="en-US" dirty="0"/>
+          </a:p>
+        </p:txBody>
+      </p:sp>
+      <p:sp>
+        <p:nvSpPr>
+          <p:cNvPr id="3" name="内容占位符 2">
+            <a:extLst>
+              <a:ext uri="{FF2B5EF4-FFF2-40B4-BE49-F238E27FC236}">
+                <a16:creationId xmlns:a16="http://schemas.microsoft.com/office/drawing/2014/main" id="{F1A176EF-BD7D-8E92-27E3-C3F332869538}"/>
+              </a:ext>
+            </a:extLst>
+          </p:cNvPr>
+          <p:cNvSpPr>
+            <a:spLocks noGrp="1"/>
+          </p:cNvSpPr>
+          <p:nvPr>
+            <p:ph idx="1"/>
+          </p:nvPr>
+        </p:nvSpPr>
+        <p:spPr/>
+        <p:txBody>
+          <a:bodyPr/>
+          <a:lstStyle/>
+          <a:p>
+            <a:r>
+              <a:rPr lang="en-US" altLang="zh-CN" dirty="0"/>
+              <a:t>Find or create the Chinese poem database.</a:t>
+            </a:r>
+          </a:p>
+          <a:p>
+            <a:r>
+              <a:rPr lang="en-US" altLang="zh-CN"/>
+              <a:t>NLP</a:t>
+            </a:r>
+          </a:p>
+        </p:txBody>
+      </p:sp>
+    </p:spTree>
+    <p:extLst>
+      <p:ext uri="{BB962C8B-B14F-4D97-AF65-F5344CB8AC3E}">
+        <p14:creationId xmlns:p14="http://schemas.microsoft.com/office/powerpoint/2010/main" val="809114252"/>
+      </p:ext>
+    </p:extLst>
+  </p:cSld>
+  <p:clrMapOvr>
+    <a:masterClrMapping/>
+  </p:clrMapOvr>
+</p:sld>
+</file>
+
 <file path=ppt/theme/theme1.xml><?xml version="1.0" encoding="utf-8"?>
 <a:theme xmlns:a="http://schemas.openxmlformats.org/drawingml/2006/main" name="Office 主题​​">
   <a:themeElements>
